--- a/Lesson 05 - Algorithms and Pseudocode/Teaching Assets/Lesson 05 - Algorithms and Pseudocode.pptx
+++ b/Lesson 05 - Algorithms and Pseudocode/Teaching Assets/Lesson 05 - Algorithms and Pseudocode.pptx
@@ -122,14 +122,6 @@
     </p:ext>
   </p:extLst>
 </p:presentation>
-</file>
-
-<file path=ppt/revisionInfo.xml><?xml version="1.0" encoding="utf-8"?>
-<p1510:revInfo xmlns:a="http://schemas.openxmlformats.org/drawingml/2006/main" xmlns:r="http://schemas.openxmlformats.org/officeDocument/2006/relationships" xmlns:p1510="http://schemas.microsoft.com/office/powerpoint/2015/10/main">
-  <p1510:revLst>
-    <p1510:client id="{F0D5BA32-05CC-49DA-B380-4C1509F025EC}" v="3" dt="2023-09-04T13:57:17.606"/>
-  </p1510:revLst>
-</p1510:revInfo>
 </file>
 
 <file path=ppt/changesInfos/changesInfo1.xml><?xml version="1.0" encoding="utf-8"?>
@@ -679,6 +671,45 @@
     </pc:docChg>
   </pc:docChgLst>
   <pc:docChgLst>
+    <pc:chgData name="Jim Finn" userId="fcf7da85b79b963a" providerId="LiveId" clId="{AE76AD5A-43C0-47B4-A83F-331A304ABFA8}"/>
+    <pc:docChg chg="custSel modSld">
+      <pc:chgData name="Jim Finn" userId="fcf7da85b79b963a" providerId="LiveId" clId="{AE76AD5A-43C0-47B4-A83F-331A304ABFA8}" dt="2023-11-15T07:43:18.991" v="1" actId="313"/>
+      <pc:docMkLst>
+        <pc:docMk/>
+      </pc:docMkLst>
+      <pc:sldChg chg="modSp mod">
+        <pc:chgData name="Jim Finn" userId="fcf7da85b79b963a" providerId="LiveId" clId="{AE76AD5A-43C0-47B4-A83F-331A304ABFA8}" dt="2023-11-15T07:43:12.175" v="0" actId="313"/>
+        <pc:sldMkLst>
+          <pc:docMk/>
+          <pc:sldMk cId="4250628821" sldId="260"/>
+        </pc:sldMkLst>
+        <pc:spChg chg="mod">
+          <ac:chgData name="Jim Finn" userId="fcf7da85b79b963a" providerId="LiveId" clId="{AE76AD5A-43C0-47B4-A83F-331A304ABFA8}" dt="2023-11-15T07:43:12.175" v="0" actId="313"/>
+          <ac:spMkLst>
+            <pc:docMk/>
+            <pc:sldMk cId="4250628821" sldId="260"/>
+            <ac:spMk id="3" creationId="{6F0797E7-E9B0-306C-9353-AA4BB3F42C9F}"/>
+          </ac:spMkLst>
+        </pc:spChg>
+      </pc:sldChg>
+      <pc:sldChg chg="modSp mod">
+        <pc:chgData name="Jim Finn" userId="fcf7da85b79b963a" providerId="LiveId" clId="{AE76AD5A-43C0-47B4-A83F-331A304ABFA8}" dt="2023-11-15T07:43:18.991" v="1" actId="313"/>
+        <pc:sldMkLst>
+          <pc:docMk/>
+          <pc:sldMk cId="2176951814" sldId="264"/>
+        </pc:sldMkLst>
+        <pc:spChg chg="mod">
+          <ac:chgData name="Jim Finn" userId="fcf7da85b79b963a" providerId="LiveId" clId="{AE76AD5A-43C0-47B4-A83F-331A304ABFA8}" dt="2023-11-15T07:43:18.991" v="1" actId="313"/>
+          <ac:spMkLst>
+            <pc:docMk/>
+            <pc:sldMk cId="2176951814" sldId="264"/>
+            <ac:spMk id="2" creationId="{CE4D7757-92BD-1E13-C147-D402A1CBFFA7}"/>
+          </ac:spMkLst>
+        </pc:spChg>
+      </pc:sldChg>
+    </pc:docChg>
+  </pc:docChgLst>
+  <pc:docChgLst>
     <pc:chgData name="Jim Finn" userId="fcf7da85b79b963a" providerId="LiveId" clId="{F74C3694-0FEE-4431-A945-69CB8EEC4229}"/>
     <pc:docChg chg="modSld">
       <pc:chgData name="Jim Finn" userId="fcf7da85b79b963a" providerId="LiveId" clId="{F74C3694-0FEE-4431-A945-69CB8EEC4229}" dt="2023-08-04T09:04:15.410" v="0"/>
@@ -787,7 +818,7 @@
           <a:p>
             <a:fld id="{1D63DF1F-1749-4BA6-89F1-E731035F336C}" type="datetimeFigureOut">
               <a:rPr lang="en-IE" smtClean="0"/>
-              <a:t>05/09/2023</a:t>
+              <a:t>15/11/2023</a:t>
             </a:fld>
             <a:endParaRPr lang="en-IE"/>
           </a:p>
@@ -2319,7 +2350,7 @@
           <a:p>
             <a:fld id="{76969C88-B244-455D-A017-012B25B1ACDD}" type="datetimeFigureOut">
               <a:rPr lang="en-US" smtClean="0"/>
-              <a:t>9/5/2023</a:t>
+              <a:t>11/15/2023</a:t>
             </a:fld>
             <a:endParaRPr lang="en-US"/>
           </a:p>
@@ -2618,7 +2649,7 @@
             <a:fld id="{76969C88-B244-455D-A017-012B25B1ACDD}" type="datetimeFigureOut">
               <a:rPr lang="en-US" smtClean="0"/>
               <a:pPr/>
-              <a:t>9/5/2023</a:t>
+              <a:t>11/15/2023</a:t>
             </a:fld>
             <a:endParaRPr lang="en-US"/>
           </a:p>
@@ -2812,7 +2843,7 @@
             <a:fld id="{76969C88-B244-455D-A017-012B25B1ACDD}" type="datetimeFigureOut">
               <a:rPr lang="en-US" smtClean="0"/>
               <a:pPr/>
-              <a:t>9/5/2023</a:t>
+              <a:t>11/15/2023</a:t>
             </a:fld>
             <a:endParaRPr lang="en-US"/>
           </a:p>
@@ -3075,7 +3106,7 @@
             <a:fld id="{76969C88-B244-455D-A017-012B25B1ACDD}" type="datetimeFigureOut">
               <a:rPr lang="en-US" smtClean="0"/>
               <a:pPr/>
-              <a:t>9/5/2023</a:t>
+              <a:t>11/15/2023</a:t>
             </a:fld>
             <a:endParaRPr lang="en-US"/>
           </a:p>
@@ -3501,7 +3532,7 @@
             <a:fld id="{76969C88-B244-455D-A017-012B25B1ACDD}" type="datetimeFigureOut">
               <a:rPr lang="en-US" smtClean="0"/>
               <a:pPr/>
-              <a:t>9/5/2023</a:t>
+              <a:t>11/15/2023</a:t>
             </a:fld>
             <a:endParaRPr lang="en-US"/>
           </a:p>
@@ -4040,7 +4071,7 @@
             <a:fld id="{76969C88-B244-455D-A017-012B25B1ACDD}" type="datetimeFigureOut">
               <a:rPr lang="en-US" smtClean="0"/>
               <a:pPr/>
-              <a:t>9/5/2023</a:t>
+              <a:t>11/15/2023</a:t>
             </a:fld>
             <a:endParaRPr lang="en-US"/>
           </a:p>
@@ -4906,7 +4937,7 @@
             <a:fld id="{76969C88-B244-455D-A017-012B25B1ACDD}" type="datetimeFigureOut">
               <a:rPr lang="en-US" smtClean="0"/>
               <a:pPr/>
-              <a:t>9/5/2023</a:t>
+              <a:t>11/15/2023</a:t>
             </a:fld>
             <a:endParaRPr lang="en-US"/>
           </a:p>
@@ -5077,7 +5108,7 @@
           <a:p>
             <a:fld id="{76969C88-B244-455D-A017-012B25B1ACDD}" type="datetimeFigureOut">
               <a:rPr lang="en-US" smtClean="0"/>
-              <a:t>9/5/2023</a:t>
+              <a:t>11/15/2023</a:t>
             </a:fld>
             <a:endParaRPr lang="en-US"/>
           </a:p>
@@ -5261,7 +5292,7 @@
           <a:p>
             <a:fld id="{76969C88-B244-455D-A017-012B25B1ACDD}" type="datetimeFigureOut">
               <a:rPr lang="en-US" smtClean="0"/>
-              <a:t>9/5/2023</a:t>
+              <a:t>11/15/2023</a:t>
             </a:fld>
             <a:endParaRPr lang="en-US"/>
           </a:p>
@@ -5431,7 +5462,7 @@
           <a:p>
             <a:fld id="{76969C88-B244-455D-A017-012B25B1ACDD}" type="datetimeFigureOut">
               <a:rPr lang="en-US" smtClean="0"/>
-              <a:t>9/5/2023</a:t>
+              <a:t>11/15/2023</a:t>
             </a:fld>
             <a:endParaRPr lang="en-US"/>
           </a:p>
@@ -5675,7 +5706,7 @@
           <a:p>
             <a:fld id="{76969C88-B244-455D-A017-012B25B1ACDD}" type="datetimeFigureOut">
               <a:rPr lang="en-US" smtClean="0"/>
-              <a:t>9/5/2023</a:t>
+              <a:t>11/15/2023</a:t>
             </a:fld>
             <a:endParaRPr lang="en-US"/>
           </a:p>
@@ -5911,7 +5942,7 @@
           <a:p>
             <a:fld id="{76969C88-B244-455D-A017-012B25B1ACDD}" type="datetimeFigureOut">
               <a:rPr lang="en-US" smtClean="0"/>
-              <a:t>9/5/2023</a:t>
+              <a:t>11/15/2023</a:t>
             </a:fld>
             <a:endParaRPr lang="en-US"/>
           </a:p>
@@ -6377,7 +6408,7 @@
           <a:p>
             <a:fld id="{76969C88-B244-455D-A017-012B25B1ACDD}" type="datetimeFigureOut">
               <a:rPr lang="en-US" smtClean="0"/>
-              <a:t>9/5/2023</a:t>
+              <a:t>11/15/2023</a:t>
             </a:fld>
             <a:endParaRPr lang="en-US"/>
           </a:p>
@@ -6495,7 +6526,7 @@
           <a:p>
             <a:fld id="{76969C88-B244-455D-A017-012B25B1ACDD}" type="datetimeFigureOut">
               <a:rPr lang="en-US" smtClean="0"/>
-              <a:t>9/5/2023</a:t>
+              <a:t>11/15/2023</a:t>
             </a:fld>
             <a:endParaRPr lang="en-US"/>
           </a:p>
@@ -6590,7 +6621,7 @@
           <a:p>
             <a:fld id="{76969C88-B244-455D-A017-012B25B1ACDD}" type="datetimeFigureOut">
               <a:rPr lang="en-US" smtClean="0"/>
-              <a:t>9/5/2023</a:t>
+              <a:t>11/15/2023</a:t>
             </a:fld>
             <a:endParaRPr lang="en-US"/>
           </a:p>
@@ -6845,7 +6876,7 @@
           <a:p>
             <a:fld id="{76969C88-B244-455D-A017-012B25B1ACDD}" type="datetimeFigureOut">
               <a:rPr lang="en-US" smtClean="0"/>
-              <a:t>9/5/2023</a:t>
+              <a:t>11/15/2023</a:t>
             </a:fld>
             <a:endParaRPr lang="en-US"/>
           </a:p>
@@ -7145,7 +7176,7 @@
           <a:p>
             <a:fld id="{76969C88-B244-455D-A017-012B25B1ACDD}" type="datetimeFigureOut">
               <a:rPr lang="en-US" smtClean="0"/>
-              <a:t>9/5/2023</a:t>
+              <a:t>11/15/2023</a:t>
             </a:fld>
             <a:endParaRPr lang="en-US"/>
           </a:p>
@@ -7380,7 +7411,7 @@
             <a:fld id="{76969C88-B244-455D-A017-012B25B1ACDD}" type="datetimeFigureOut">
               <a:rPr lang="en-US" smtClean="0"/>
               <a:pPr/>
-              <a:t>9/5/2023</a:t>
+              <a:t>11/15/2023</a:t>
             </a:fld>
             <a:endParaRPr lang="en-US"/>
           </a:p>
@@ -9666,7 +9697,7 @@
               </a:spcAft>
             </a:pPr>
             <a:r>
-              <a:rPr lang="en-GB" sz="1980" kern="1200">
+              <a:rPr lang="en-GB" sz="1980" kern="1200" dirty="0">
                 <a:ln>
                   <a:solidFill>
                     <a:schemeClr val="bg1">
@@ -9684,47 +9715,8 @@
                 <a:ea typeface="+mn-ea"/>
                 <a:cs typeface="+mn-cs"/>
               </a:rPr>
-              <a:t>Steps to Create and </a:t>
-            </a:r>
-            <a:r>
-              <a:rPr lang="en-GB" sz="1980" kern="1200" err="1">
-                <a:ln>
-                  <a:solidFill>
-                    <a:schemeClr val="bg1">
-                      <a:lumMod val="75000"/>
-                      <a:lumOff val="25000"/>
-                      <a:alpha val="10000"/>
-                    </a:schemeClr>
-                  </a:solidFill>
-                </a:ln>
-                <a:solidFill>
-                  <a:schemeClr val="tx2"/>
-                </a:solidFill>
-                <a:effectLst/>
-                <a:latin typeface="-apple-system"/>
-                <a:ea typeface="+mn-ea"/>
-                <a:cs typeface="+mn-cs"/>
-              </a:rPr>
-              <a:t>Algorithim</a:t>
-            </a:r>
-            <a:endParaRPr lang="en-GB" sz="1980" kern="1200">
-              <a:ln>
-                <a:solidFill>
-                  <a:schemeClr val="bg1">
-                    <a:lumMod val="75000"/>
-                    <a:lumOff val="25000"/>
-                    <a:alpha val="10000"/>
-                  </a:schemeClr>
-                </a:solidFill>
-              </a:ln>
-              <a:solidFill>
-                <a:schemeClr val="tx2"/>
-              </a:solidFill>
-              <a:effectLst/>
-              <a:latin typeface="-apple-system"/>
-              <a:ea typeface="+mn-ea"/>
-              <a:cs typeface="+mn-cs"/>
-            </a:endParaRPr>
+              <a:t>Steps to Create and Algorithm</a:t>
+            </a:r>
           </a:p>
           <a:p>
             <a:pPr marL="712800" lvl="1" indent="-267300" defTabSz="452628">
@@ -9735,7 +9727,7 @@
               <a:buAutoNum type="arabicPeriod"/>
             </a:pPr>
             <a:r>
-              <a:rPr lang="en-GB" sz="1782" kern="1200">
+              <a:rPr lang="en-GB" sz="1782" kern="1200" dirty="0">
                 <a:ln>
                   <a:solidFill>
                     <a:schemeClr val="bg1">
@@ -9765,7 +9757,7 @@
               <a:buAutoNum type="arabicPeriod"/>
             </a:pPr>
             <a:r>
-              <a:rPr lang="en-GB" sz="1782" kern="1200">
+              <a:rPr lang="en-GB" sz="1782" kern="1200" dirty="0">
                 <a:ln>
                   <a:solidFill>
                     <a:schemeClr val="bg1">
@@ -9795,7 +9787,7 @@
               <a:buAutoNum type="arabicPeriod"/>
             </a:pPr>
             <a:r>
-              <a:rPr lang="en-GB" sz="1782" kern="1200">
+              <a:rPr lang="en-GB" sz="1782" kern="1200" dirty="0">
                 <a:ln>
                   <a:solidFill>
                     <a:schemeClr val="bg1">
@@ -9825,7 +9817,7 @@
               <a:buAutoNum type="arabicPeriod"/>
             </a:pPr>
             <a:r>
-              <a:rPr lang="en-GB" sz="1782" kern="1200">
+              <a:rPr lang="en-GB" sz="1782" kern="1200" dirty="0">
                 <a:ln>
                   <a:solidFill>
                     <a:schemeClr val="bg1">
@@ -9855,7 +9847,7 @@
               <a:buAutoNum type="arabicPeriod"/>
             </a:pPr>
             <a:r>
-              <a:rPr lang="en-GB" sz="1782" kern="1200">
+              <a:rPr lang="en-GB" sz="1782" kern="1200" dirty="0">
                 <a:ln>
                   <a:solidFill>
                     <a:schemeClr val="bg1">
@@ -11170,11 +11162,7 @@
           <a:p>
             <a:r>
               <a:rPr lang="en-GB" dirty="0"/>
-              <a:t>Creating an </a:t>
-            </a:r>
-            <a:r>
-              <a:rPr lang="en-GB" dirty="0" err="1"/>
-              <a:t>Algroithim</a:t>
+              <a:t>Creating an Algorithm</a:t>
             </a:r>
             <a:endParaRPr lang="en-IE" dirty="0"/>
           </a:p>
